--- a/documentations/python-101.pptx
+++ b/documentations/python-101.pptx
@@ -15293,12 +15293,9 @@
           <a:p>
             <a:r>
               <a:rPr lang="fr-FR" dirty="0" smtClean="0"/>
-              <a:t>Pytho</a:t>
-            </a:r>
-            <a:r>
-              <a:rPr lang="fr-FR" dirty="0"/>
-              <a:t>n</a:t>
-            </a:r>
+              <a:t>Python 101</a:t>
+            </a:r>
+            <a:endParaRPr lang="fr-FR" dirty="0"/>
           </a:p>
         </p:txBody>
       </p:sp>
@@ -31984,11 +31981,6 @@
               </a:rPr>
               <a:t>suivant a un paramètre positionnel, un paramètre nommé, et une valeur de retour annotée</a:t>
             </a:r>
-            <a:endParaRPr lang="fr-FR" dirty="0">
-              <a:solidFill>
-                <a:schemeClr val="tx1"/>
-              </a:solidFill>
-            </a:endParaRPr>
           </a:p>
         </p:txBody>
       </p:sp>

--- a/documentations/python-101.pptx
+++ b/documentations/python-101.pptx
@@ -275,7 +275,7 @@
           <a:p>
             <a:fld id="{ADCD2C08-3C00-4791-9388-3FB9A56F87F8}" type="datetimeFigureOut">
               <a:rPr lang="fr-FR" smtClean="0"/>
-              <a:t>21/01/2018</a:t>
+              <a:t>24/01/2018</a:t>
             </a:fld>
             <a:endParaRPr lang="fr-FR" dirty="0"/>
           </a:p>
@@ -7283,7 +7283,7 @@
           <a:p>
             <a:fld id="{CAB5D9F6-764D-45E8-BA35-322ECA954888}" type="datetime1">
               <a:rPr lang="en-US" smtClean="0"/>
-              <a:t>1/21/2018</a:t>
+              <a:t>1/24/2018</a:t>
             </a:fld>
             <a:endParaRPr lang="en-US" dirty="0"/>
           </a:p>
@@ -7623,7 +7623,7 @@
           <a:p>
             <a:fld id="{7E62AF45-EF0A-4378-934F-84EB6BC3D026}" type="datetime1">
               <a:rPr lang="en-US" smtClean="0"/>
-              <a:t>1/21/2018</a:t>
+              <a:t>1/24/2018</a:t>
             </a:fld>
             <a:endParaRPr lang="en-US" dirty="0"/>
           </a:p>
@@ -8025,7 +8025,7 @@
           <a:p>
             <a:fld id="{76D4023A-E694-4331-A23E-E1356D15A4BD}" type="datetime1">
               <a:rPr lang="en-US" smtClean="0"/>
-              <a:t>1/21/2018</a:t>
+              <a:t>1/24/2018</a:t>
             </a:fld>
             <a:endParaRPr lang="en-US" dirty="0"/>
           </a:p>
@@ -8362,7 +8362,7 @@
           <a:p>
             <a:fld id="{D6F2E77E-7F60-441B-806F-66DDB3F74163}" type="datetime1">
               <a:rPr lang="en-US" smtClean="0"/>
-              <a:t>1/21/2018</a:t>
+              <a:t>1/24/2018</a:t>
             </a:fld>
             <a:endParaRPr lang="en-US" dirty="0"/>
           </a:p>
@@ -8683,7 +8683,7 @@
           <a:p>
             <a:fld id="{266B8AF4-4A0E-4A4E-9660-2094B624C07D}" type="datetime1">
               <a:rPr lang="en-US" smtClean="0"/>
-              <a:t>1/21/2018</a:t>
+              <a:t>1/24/2018</a:t>
             </a:fld>
             <a:endParaRPr lang="en-US" dirty="0"/>
           </a:p>
@@ -9080,7 +9080,7 @@
           <a:p>
             <a:fld id="{CB2BF7E3-4C05-4502-A416-452E6496AE59}" type="datetime1">
               <a:rPr lang="en-US" smtClean="0"/>
-              <a:t>1/21/2018</a:t>
+              <a:t>1/24/2018</a:t>
             </a:fld>
             <a:endParaRPr lang="en-US" dirty="0"/>
           </a:p>
@@ -9338,7 +9338,7 @@
           <a:p>
             <a:fld id="{F6F8AC83-13D2-4813-AD1A-CAFB5DEDD213}" type="datetime1">
               <a:rPr lang="en-US" smtClean="0"/>
-              <a:t>1/21/2018</a:t>
+              <a:t>1/24/2018</a:t>
             </a:fld>
             <a:endParaRPr lang="en-US" dirty="0"/>
           </a:p>
@@ -9601,7 +9601,7 @@
           <a:p>
             <a:fld id="{74455543-85E2-46E2-A974-7ADB0844C12A}" type="datetime1">
               <a:rPr lang="en-US" smtClean="0"/>
-              <a:t>1/21/2018</a:t>
+              <a:t>1/24/2018</a:t>
             </a:fld>
             <a:endParaRPr lang="en-US" dirty="0"/>
           </a:p>
@@ -10767,7 +10767,7 @@
           <a:p>
             <a:fld id="{086CC522-5229-4E69-BBB2-D5F912967395}" type="datetime1">
               <a:rPr lang="en-US" smtClean="0"/>
-              <a:t>1/21/2018</a:t>
+              <a:t>1/24/2018</a:t>
             </a:fld>
             <a:endParaRPr lang="en-US" dirty="0"/>
           </a:p>
@@ -11086,7 +11086,7 @@
           <a:p>
             <a:fld id="{56B9B5DB-1D1A-42F8-93F0-BBA44C1CAF57}" type="datetime1">
               <a:rPr lang="en-US" smtClean="0"/>
-              <a:t>1/21/2018</a:t>
+              <a:t>1/24/2018</a:t>
             </a:fld>
             <a:endParaRPr lang="en-US" dirty="0"/>
           </a:p>
@@ -11544,7 +11544,7 @@
           <a:p>
             <a:fld id="{9A4E8950-D3FA-4365-B561-9EE5AC9B6B6C}" type="datetime1">
               <a:rPr lang="en-US" smtClean="0"/>
-              <a:t>1/21/2018</a:t>
+              <a:t>1/24/2018</a:t>
             </a:fld>
             <a:endParaRPr lang="en-US" dirty="0"/>
           </a:p>
@@ -11750,7 +11750,7 @@
           <a:p>
             <a:fld id="{20724122-C579-4659-8A06-81F42FC84005}" type="datetime1">
               <a:rPr lang="en-US" smtClean="0"/>
-              <a:t>1/21/2018</a:t>
+              <a:t>1/24/2018</a:t>
             </a:fld>
             <a:endParaRPr lang="en-US" dirty="0"/>
           </a:p>
@@ -11928,7 +11928,7 @@
           <a:p>
             <a:fld id="{E4C13383-9243-41F6-8072-8685ED9DD899}" type="datetime1">
               <a:rPr lang="en-US" smtClean="0"/>
-              <a:t>1/21/2018</a:t>
+              <a:t>1/24/2018</a:t>
             </a:fld>
             <a:endParaRPr lang="en-US" dirty="0"/>
           </a:p>
@@ -12262,7 +12262,7 @@
           <a:p>
             <a:fld id="{03F027E6-328C-49ED-AE4B-BD647A7E3EDE}" type="datetime1">
               <a:rPr lang="en-US" smtClean="0"/>
-              <a:t>1/21/2018</a:t>
+              <a:t>1/24/2018</a:t>
             </a:fld>
             <a:endParaRPr lang="en-US" dirty="0"/>
           </a:p>
@@ -12608,7 +12608,7 @@
           <a:p>
             <a:fld id="{6B498982-A325-4B29-8B06-CBC7789C234F}" type="datetime1">
               <a:rPr lang="en-US" smtClean="0"/>
-              <a:t>1/21/2018</a:t>
+              <a:t>1/24/2018</a:t>
             </a:fld>
             <a:endParaRPr lang="en-US" dirty="0"/>
           </a:p>
@@ -14726,7 +14726,7 @@
           <a:p>
             <a:fld id="{CAB5D9F6-764D-45E8-BA35-322ECA954888}" type="datetime1">
               <a:rPr lang="en-US" smtClean="0"/>
-              <a:t>1/21/2018</a:t>
+              <a:t>1/24/2018</a:t>
             </a:fld>
             <a:endParaRPr lang="en-US" dirty="0"/>
           </a:p>

--- a/documentations/python-101.pptx
+++ b/documentations/python-101.pptx
@@ -275,7 +275,7 @@
           <a:p>
             <a:fld id="{ADCD2C08-3C00-4791-9388-3FB9A56F87F8}" type="datetimeFigureOut">
               <a:rPr lang="fr-FR" smtClean="0"/>
-              <a:t>24/01/2018</a:t>
+              <a:t>27/01/2018</a:t>
             </a:fld>
             <a:endParaRPr lang="fr-FR" dirty="0"/>
           </a:p>
@@ -7283,7 +7283,7 @@
           <a:p>
             <a:fld id="{CAB5D9F6-764D-45E8-BA35-322ECA954888}" type="datetime1">
               <a:rPr lang="en-US" smtClean="0"/>
-              <a:t>1/24/2018</a:t>
+              <a:t>1/27/2018</a:t>
             </a:fld>
             <a:endParaRPr lang="en-US" dirty="0"/>
           </a:p>
@@ -7623,7 +7623,7 @@
           <a:p>
             <a:fld id="{7E62AF45-EF0A-4378-934F-84EB6BC3D026}" type="datetime1">
               <a:rPr lang="en-US" smtClean="0"/>
-              <a:t>1/24/2018</a:t>
+              <a:t>1/27/2018</a:t>
             </a:fld>
             <a:endParaRPr lang="en-US" dirty="0"/>
           </a:p>
@@ -8025,7 +8025,7 @@
           <a:p>
             <a:fld id="{76D4023A-E694-4331-A23E-E1356D15A4BD}" type="datetime1">
               <a:rPr lang="en-US" smtClean="0"/>
-              <a:t>1/24/2018</a:t>
+              <a:t>1/27/2018</a:t>
             </a:fld>
             <a:endParaRPr lang="en-US" dirty="0"/>
           </a:p>
@@ -8362,7 +8362,7 @@
           <a:p>
             <a:fld id="{D6F2E77E-7F60-441B-806F-66DDB3F74163}" type="datetime1">
               <a:rPr lang="en-US" smtClean="0"/>
-              <a:t>1/24/2018</a:t>
+              <a:t>1/27/2018</a:t>
             </a:fld>
             <a:endParaRPr lang="en-US" dirty="0"/>
           </a:p>
@@ -8683,7 +8683,7 @@
           <a:p>
             <a:fld id="{266B8AF4-4A0E-4A4E-9660-2094B624C07D}" type="datetime1">
               <a:rPr lang="en-US" smtClean="0"/>
-              <a:t>1/24/2018</a:t>
+              <a:t>1/27/2018</a:t>
             </a:fld>
             <a:endParaRPr lang="en-US" dirty="0"/>
           </a:p>
@@ -9080,7 +9080,7 @@
           <a:p>
             <a:fld id="{CB2BF7E3-4C05-4502-A416-452E6496AE59}" type="datetime1">
               <a:rPr lang="en-US" smtClean="0"/>
-              <a:t>1/24/2018</a:t>
+              <a:t>1/27/2018</a:t>
             </a:fld>
             <a:endParaRPr lang="en-US" dirty="0"/>
           </a:p>
@@ -9338,7 +9338,7 @@
           <a:p>
             <a:fld id="{F6F8AC83-13D2-4813-AD1A-CAFB5DEDD213}" type="datetime1">
               <a:rPr lang="en-US" smtClean="0"/>
-              <a:t>1/24/2018</a:t>
+              <a:t>1/27/2018</a:t>
             </a:fld>
             <a:endParaRPr lang="en-US" dirty="0"/>
           </a:p>
@@ -9601,7 +9601,7 @@
           <a:p>
             <a:fld id="{74455543-85E2-46E2-A974-7ADB0844C12A}" type="datetime1">
               <a:rPr lang="en-US" smtClean="0"/>
-              <a:t>1/24/2018</a:t>
+              <a:t>1/27/2018</a:t>
             </a:fld>
             <a:endParaRPr lang="en-US" dirty="0"/>
           </a:p>
@@ -10516,7 +10516,7 @@
         <p:spPr>
           <a:xfrm>
             <a:off x="206734" y="6611779"/>
-            <a:ext cx="2198038" cy="230832"/>
+            <a:ext cx="2655736" cy="230832"/>
           </a:xfrm>
           <a:prstGeom prst="rect">
             <a:avLst/>
@@ -10524,7 +10524,7 @@
           <a:noFill/>
         </p:spPr>
         <p:txBody>
-          <a:bodyPr wrap="none" rtlCol="0">
+          <a:bodyPr wrap="square" rtlCol="0">
             <a:spAutoFit/>
           </a:bodyPr>
           <a:lstStyle/>
@@ -10551,7 +10551,15 @@
                   <a:schemeClr val="accent1"/>
                 </a:solidFill>
               </a:rPr>
-              <a:t> Python</a:t>
+              <a:t> </a:t>
+            </a:r>
+            <a:r>
+              <a:rPr lang="fr-FR" sz="900" b="1" dirty="0" smtClean="0">
+                <a:solidFill>
+                  <a:schemeClr val="accent1"/>
+                </a:solidFill>
+              </a:rPr>
+              <a:t>Python (3.6.4)</a:t>
             </a:r>
             <a:endParaRPr lang="fr-FR" sz="900" b="1" dirty="0">
               <a:solidFill>
@@ -10767,7 +10775,7 @@
           <a:p>
             <a:fld id="{086CC522-5229-4E69-BBB2-D5F912967395}" type="datetime1">
               <a:rPr lang="en-US" smtClean="0"/>
-              <a:t>1/24/2018</a:t>
+              <a:t>1/27/2018</a:t>
             </a:fld>
             <a:endParaRPr lang="en-US" dirty="0"/>
           </a:p>
@@ -11086,7 +11094,7 @@
           <a:p>
             <a:fld id="{56B9B5DB-1D1A-42F8-93F0-BBA44C1CAF57}" type="datetime1">
               <a:rPr lang="en-US" smtClean="0"/>
-              <a:t>1/24/2018</a:t>
+              <a:t>1/27/2018</a:t>
             </a:fld>
             <a:endParaRPr lang="en-US" dirty="0"/>
           </a:p>
@@ -11544,7 +11552,7 @@
           <a:p>
             <a:fld id="{9A4E8950-D3FA-4365-B561-9EE5AC9B6B6C}" type="datetime1">
               <a:rPr lang="en-US" smtClean="0"/>
-              <a:t>1/24/2018</a:t>
+              <a:t>1/27/2018</a:t>
             </a:fld>
             <a:endParaRPr lang="en-US" dirty="0"/>
           </a:p>
@@ -11750,7 +11758,7 @@
           <a:p>
             <a:fld id="{20724122-C579-4659-8A06-81F42FC84005}" type="datetime1">
               <a:rPr lang="en-US" smtClean="0"/>
-              <a:t>1/24/2018</a:t>
+              <a:t>1/27/2018</a:t>
             </a:fld>
             <a:endParaRPr lang="en-US" dirty="0"/>
           </a:p>
@@ -11928,7 +11936,7 @@
           <a:p>
             <a:fld id="{E4C13383-9243-41F6-8072-8685ED9DD899}" type="datetime1">
               <a:rPr lang="en-US" smtClean="0"/>
-              <a:t>1/24/2018</a:t>
+              <a:t>1/27/2018</a:t>
             </a:fld>
             <a:endParaRPr lang="en-US" dirty="0"/>
           </a:p>
@@ -12262,7 +12270,7 @@
           <a:p>
             <a:fld id="{03F027E6-328C-49ED-AE4B-BD647A7E3EDE}" type="datetime1">
               <a:rPr lang="en-US" smtClean="0"/>
-              <a:t>1/24/2018</a:t>
+              <a:t>1/27/2018</a:t>
             </a:fld>
             <a:endParaRPr lang="en-US" dirty="0"/>
           </a:p>
@@ -12608,7 +12616,7 @@
           <a:p>
             <a:fld id="{6B498982-A325-4B29-8B06-CBC7789C234F}" type="datetime1">
               <a:rPr lang="en-US" smtClean="0"/>
-              <a:t>1/24/2018</a:t>
+              <a:t>1/27/2018</a:t>
             </a:fld>
             <a:endParaRPr lang="en-US" dirty="0"/>
           </a:p>
@@ -14726,7 +14734,7 @@
           <a:p>
             <a:fld id="{CAB5D9F6-764D-45E8-BA35-322ECA954888}" type="datetime1">
               <a:rPr lang="en-US" smtClean="0"/>
-              <a:t>1/24/2018</a:t>
+              <a:t>1/27/2018</a:t>
             </a:fld>
             <a:endParaRPr lang="en-US" dirty="0"/>
           </a:p>
@@ -15265,7 +15273,11 @@
           <a:p>
             <a:r>
               <a:rPr lang="fr-FR" dirty="0" smtClean="0"/>
-              <a:t>Une introduction au langage Python</a:t>
+              <a:t>Une introduction au langage </a:t>
+            </a:r>
+            <a:r>
+              <a:rPr lang="fr-FR" dirty="0" smtClean="0"/>
+              <a:t>Python (3.6.4)</a:t>
             </a:r>
             <a:endParaRPr lang="fr-FR" dirty="0"/>
           </a:p>

--- a/documentations/python-101.pptx
+++ b/documentations/python-101.pptx
@@ -275,7 +275,7 @@
           <a:p>
             <a:fld id="{ADCD2C08-3C00-4791-9388-3FB9A56F87F8}" type="datetimeFigureOut">
               <a:rPr lang="fr-FR" smtClean="0"/>
-              <a:t>27/01/2018</a:t>
+              <a:t>03/02/2018</a:t>
             </a:fld>
             <a:endParaRPr lang="fr-FR" dirty="0"/>
           </a:p>
@@ -7283,7 +7283,7 @@
           <a:p>
             <a:fld id="{CAB5D9F6-764D-45E8-BA35-322ECA954888}" type="datetime1">
               <a:rPr lang="en-US" smtClean="0"/>
-              <a:t>1/27/2018</a:t>
+              <a:t>2/3/2018</a:t>
             </a:fld>
             <a:endParaRPr lang="en-US" dirty="0"/>
           </a:p>
@@ -7623,7 +7623,7 @@
           <a:p>
             <a:fld id="{7E62AF45-EF0A-4378-934F-84EB6BC3D026}" type="datetime1">
               <a:rPr lang="en-US" smtClean="0"/>
-              <a:t>1/27/2018</a:t>
+              <a:t>2/3/2018</a:t>
             </a:fld>
             <a:endParaRPr lang="en-US" dirty="0"/>
           </a:p>
@@ -8025,7 +8025,7 @@
           <a:p>
             <a:fld id="{76D4023A-E694-4331-A23E-E1356D15A4BD}" type="datetime1">
               <a:rPr lang="en-US" smtClean="0"/>
-              <a:t>1/27/2018</a:t>
+              <a:t>2/3/2018</a:t>
             </a:fld>
             <a:endParaRPr lang="en-US" dirty="0"/>
           </a:p>
@@ -8362,7 +8362,7 @@
           <a:p>
             <a:fld id="{D6F2E77E-7F60-441B-806F-66DDB3F74163}" type="datetime1">
               <a:rPr lang="en-US" smtClean="0"/>
-              <a:t>1/27/2018</a:t>
+              <a:t>2/3/2018</a:t>
             </a:fld>
             <a:endParaRPr lang="en-US" dirty="0"/>
           </a:p>
@@ -8683,7 +8683,7 @@
           <a:p>
             <a:fld id="{266B8AF4-4A0E-4A4E-9660-2094B624C07D}" type="datetime1">
               <a:rPr lang="en-US" smtClean="0"/>
-              <a:t>1/27/2018</a:t>
+              <a:t>2/3/2018</a:t>
             </a:fld>
             <a:endParaRPr lang="en-US" dirty="0"/>
           </a:p>
@@ -9080,7 +9080,7 @@
           <a:p>
             <a:fld id="{CB2BF7E3-4C05-4502-A416-452E6496AE59}" type="datetime1">
               <a:rPr lang="en-US" smtClean="0"/>
-              <a:t>1/27/2018</a:t>
+              <a:t>2/3/2018</a:t>
             </a:fld>
             <a:endParaRPr lang="en-US" dirty="0"/>
           </a:p>
@@ -9338,7 +9338,7 @@
           <a:p>
             <a:fld id="{F6F8AC83-13D2-4813-AD1A-CAFB5DEDD213}" type="datetime1">
               <a:rPr lang="en-US" smtClean="0"/>
-              <a:t>1/27/2018</a:t>
+              <a:t>2/3/2018</a:t>
             </a:fld>
             <a:endParaRPr lang="en-US" dirty="0"/>
           </a:p>
@@ -9601,7 +9601,7 @@
           <a:p>
             <a:fld id="{74455543-85E2-46E2-A974-7ADB0844C12A}" type="datetime1">
               <a:rPr lang="en-US" smtClean="0"/>
-              <a:t>1/27/2018</a:t>
+              <a:t>2/3/2018</a:t>
             </a:fld>
             <a:endParaRPr lang="en-US" dirty="0"/>
           </a:p>
@@ -10232,7 +10232,7 @@
                   <a:schemeClr val="accent1"/>
                 </a:solidFill>
               </a:rPr>
-              <a:t>janv.-18</a:t>
+              <a:t>févr.-18</a:t>
             </a:fld>
             <a:endParaRPr lang="fr-FR" sz="1000" b="1" dirty="0">
               <a:solidFill>
@@ -10551,15 +10551,7 @@
                   <a:schemeClr val="accent1"/>
                 </a:solidFill>
               </a:rPr>
-              <a:t> </a:t>
-            </a:r>
-            <a:r>
-              <a:rPr lang="fr-FR" sz="900" b="1" dirty="0" smtClean="0">
-                <a:solidFill>
-                  <a:schemeClr val="accent1"/>
-                </a:solidFill>
-              </a:rPr>
-              <a:t>Python (3.6.4)</a:t>
+              <a:t> Python (3.6.4)</a:t>
             </a:r>
             <a:endParaRPr lang="fr-FR" sz="900" b="1" dirty="0">
               <a:solidFill>
@@ -10775,7 +10767,7 @@
           <a:p>
             <a:fld id="{086CC522-5229-4E69-BBB2-D5F912967395}" type="datetime1">
               <a:rPr lang="en-US" smtClean="0"/>
-              <a:t>1/27/2018</a:t>
+              <a:t>2/3/2018</a:t>
             </a:fld>
             <a:endParaRPr lang="en-US" dirty="0"/>
           </a:p>
@@ -11094,7 +11086,7 @@
           <a:p>
             <a:fld id="{56B9B5DB-1D1A-42F8-93F0-BBA44C1CAF57}" type="datetime1">
               <a:rPr lang="en-US" smtClean="0"/>
-              <a:t>1/27/2018</a:t>
+              <a:t>2/3/2018</a:t>
             </a:fld>
             <a:endParaRPr lang="en-US" dirty="0"/>
           </a:p>
@@ -11552,7 +11544,7 @@
           <a:p>
             <a:fld id="{9A4E8950-D3FA-4365-B561-9EE5AC9B6B6C}" type="datetime1">
               <a:rPr lang="en-US" smtClean="0"/>
-              <a:t>1/27/2018</a:t>
+              <a:t>2/3/2018</a:t>
             </a:fld>
             <a:endParaRPr lang="en-US" dirty="0"/>
           </a:p>
@@ -11758,7 +11750,7 @@
           <a:p>
             <a:fld id="{20724122-C579-4659-8A06-81F42FC84005}" type="datetime1">
               <a:rPr lang="en-US" smtClean="0"/>
-              <a:t>1/27/2018</a:t>
+              <a:t>2/3/2018</a:t>
             </a:fld>
             <a:endParaRPr lang="en-US" dirty="0"/>
           </a:p>
@@ -11936,7 +11928,7 @@
           <a:p>
             <a:fld id="{E4C13383-9243-41F6-8072-8685ED9DD899}" type="datetime1">
               <a:rPr lang="en-US" smtClean="0"/>
-              <a:t>1/27/2018</a:t>
+              <a:t>2/3/2018</a:t>
             </a:fld>
             <a:endParaRPr lang="en-US" dirty="0"/>
           </a:p>
@@ -12270,7 +12262,7 @@
           <a:p>
             <a:fld id="{03F027E6-328C-49ED-AE4B-BD647A7E3EDE}" type="datetime1">
               <a:rPr lang="en-US" smtClean="0"/>
-              <a:t>1/27/2018</a:t>
+              <a:t>2/3/2018</a:t>
             </a:fld>
             <a:endParaRPr lang="en-US" dirty="0"/>
           </a:p>
@@ -12616,7 +12608,7 @@
           <a:p>
             <a:fld id="{6B498982-A325-4B29-8B06-CBC7789C234F}" type="datetime1">
               <a:rPr lang="en-US" smtClean="0"/>
-              <a:t>1/27/2018</a:t>
+              <a:t>2/3/2018</a:t>
             </a:fld>
             <a:endParaRPr lang="en-US" dirty="0"/>
           </a:p>
@@ -14734,7 +14726,7 @@
           <a:p>
             <a:fld id="{CAB5D9F6-764D-45E8-BA35-322ECA954888}" type="datetime1">
               <a:rPr lang="en-US" smtClean="0"/>
-              <a:t>1/27/2018</a:t>
+              <a:t>2/3/2018</a:t>
             </a:fld>
             <a:endParaRPr lang="en-US" dirty="0"/>
           </a:p>
@@ -15273,11 +15265,7 @@
           <a:p>
             <a:r>
               <a:rPr lang="fr-FR" dirty="0" smtClean="0"/>
-              <a:t>Une introduction au langage </a:t>
-            </a:r>
-            <a:r>
-              <a:rPr lang="fr-FR" dirty="0" smtClean="0"/>
-              <a:t>Python (3.6.4)</a:t>
+              <a:t>Une introduction au langage Python (3.6.4)</a:t>
             </a:r>
             <a:endParaRPr lang="fr-FR" dirty="0"/>
           </a:p>
@@ -33101,40 +33089,6 @@
                 <a:hlinkClick r:id="rId3"/>
               </a:rPr>
               <a:t>/</a:t>
-            </a:r>
-            <a:endParaRPr lang="fr-FR" dirty="0" smtClean="0">
-              <a:solidFill>
-                <a:schemeClr val="tx1"/>
-              </a:solidFill>
-            </a:endParaRPr>
-          </a:p>
-          <a:p>
-            <a:pPr algn="just"/>
-            <a:r>
-              <a:rPr lang="fr-FR" dirty="0">
-                <a:solidFill>
-                  <a:schemeClr val="tx1"/>
-                </a:solidFill>
-              </a:rPr>
-              <a:t>Learning Python : </a:t>
-            </a:r>
-            <a:r>
-              <a:rPr lang="fr-FR" dirty="0">
-                <a:solidFill>
-                  <a:schemeClr val="tx1"/>
-                </a:solidFill>
-                <a:hlinkClick r:id="rId4"/>
-              </a:rPr>
-              <a:t>https://</a:t>
-            </a:r>
-            <a:r>
-              <a:rPr lang="fr-FR" dirty="0" smtClean="0">
-                <a:solidFill>
-                  <a:schemeClr val="tx1"/>
-                </a:solidFill>
-                <a:hlinkClick r:id="rId4"/>
-              </a:rPr>
-              <a:t>github.com/thierrydecker/learning-python</a:t>
             </a:r>
             <a:endParaRPr lang="fr-FR" dirty="0" smtClean="0">
               <a:solidFill>
